--- a/Umami_YYDS/Paper及endnote/摘要图.pptx
+++ b/Umami_YYDS/Paper及endnote/摘要图.pptx
@@ -275,7 +275,7 @@
           <a:p>
             <a:fld id="{B8DF0B38-1A71-4F35-BACA-BD48B653CF4D}" type="datetimeFigureOut">
               <a:rPr lang="zh-CN" altLang="en-US" smtClean="0"/>
-              <a:t>2021/11/1</a:t>
+              <a:t>2021/11/4</a:t>
             </a:fld>
             <a:endParaRPr lang="zh-CN" altLang="en-US"/>
           </a:p>
@@ -473,7 +473,7 @@
           <a:p>
             <a:fld id="{B8DF0B38-1A71-4F35-BACA-BD48B653CF4D}" type="datetimeFigureOut">
               <a:rPr lang="zh-CN" altLang="en-US" smtClean="0"/>
-              <a:t>2021/11/1</a:t>
+              <a:t>2021/11/4</a:t>
             </a:fld>
             <a:endParaRPr lang="zh-CN" altLang="en-US"/>
           </a:p>
@@ -681,7 +681,7 @@
           <a:p>
             <a:fld id="{B8DF0B38-1A71-4F35-BACA-BD48B653CF4D}" type="datetimeFigureOut">
               <a:rPr lang="zh-CN" altLang="en-US" smtClean="0"/>
-              <a:t>2021/11/1</a:t>
+              <a:t>2021/11/4</a:t>
             </a:fld>
             <a:endParaRPr lang="zh-CN" altLang="en-US"/>
           </a:p>
@@ -879,7 +879,7 @@
           <a:p>
             <a:fld id="{B8DF0B38-1A71-4F35-BACA-BD48B653CF4D}" type="datetimeFigureOut">
               <a:rPr lang="zh-CN" altLang="en-US" smtClean="0"/>
-              <a:t>2021/11/1</a:t>
+              <a:t>2021/11/4</a:t>
             </a:fld>
             <a:endParaRPr lang="zh-CN" altLang="en-US"/>
           </a:p>
@@ -1154,7 +1154,7 @@
           <a:p>
             <a:fld id="{B8DF0B38-1A71-4F35-BACA-BD48B653CF4D}" type="datetimeFigureOut">
               <a:rPr lang="zh-CN" altLang="en-US" smtClean="0"/>
-              <a:t>2021/11/1</a:t>
+              <a:t>2021/11/4</a:t>
             </a:fld>
             <a:endParaRPr lang="zh-CN" altLang="en-US"/>
           </a:p>
@@ -1419,7 +1419,7 @@
           <a:p>
             <a:fld id="{B8DF0B38-1A71-4F35-BACA-BD48B653CF4D}" type="datetimeFigureOut">
               <a:rPr lang="zh-CN" altLang="en-US" smtClean="0"/>
-              <a:t>2021/11/1</a:t>
+              <a:t>2021/11/4</a:t>
             </a:fld>
             <a:endParaRPr lang="zh-CN" altLang="en-US"/>
           </a:p>
@@ -1831,7 +1831,7 @@
           <a:p>
             <a:fld id="{B8DF0B38-1A71-4F35-BACA-BD48B653CF4D}" type="datetimeFigureOut">
               <a:rPr lang="zh-CN" altLang="en-US" smtClean="0"/>
-              <a:t>2021/11/1</a:t>
+              <a:t>2021/11/4</a:t>
             </a:fld>
             <a:endParaRPr lang="zh-CN" altLang="en-US"/>
           </a:p>
@@ -1972,7 +1972,7 @@
           <a:p>
             <a:fld id="{B8DF0B38-1A71-4F35-BACA-BD48B653CF4D}" type="datetimeFigureOut">
               <a:rPr lang="zh-CN" altLang="en-US" smtClean="0"/>
-              <a:t>2021/11/1</a:t>
+              <a:t>2021/11/4</a:t>
             </a:fld>
             <a:endParaRPr lang="zh-CN" altLang="en-US"/>
           </a:p>
@@ -2085,7 +2085,7 @@
           <a:p>
             <a:fld id="{B8DF0B38-1A71-4F35-BACA-BD48B653CF4D}" type="datetimeFigureOut">
               <a:rPr lang="zh-CN" altLang="en-US" smtClean="0"/>
-              <a:t>2021/11/1</a:t>
+              <a:t>2021/11/4</a:t>
             </a:fld>
             <a:endParaRPr lang="zh-CN" altLang="en-US"/>
           </a:p>
@@ -2396,7 +2396,7 @@
           <a:p>
             <a:fld id="{B8DF0B38-1A71-4F35-BACA-BD48B653CF4D}" type="datetimeFigureOut">
               <a:rPr lang="zh-CN" altLang="en-US" smtClean="0"/>
-              <a:t>2021/11/1</a:t>
+              <a:t>2021/11/4</a:t>
             </a:fld>
             <a:endParaRPr lang="zh-CN" altLang="en-US"/>
           </a:p>
@@ -2684,7 +2684,7 @@
           <a:p>
             <a:fld id="{B8DF0B38-1A71-4F35-BACA-BD48B653CF4D}" type="datetimeFigureOut">
               <a:rPr lang="zh-CN" altLang="en-US" smtClean="0"/>
-              <a:t>2021/11/1</a:t>
+              <a:t>2021/11/4</a:t>
             </a:fld>
             <a:endParaRPr lang="zh-CN" altLang="en-US"/>
           </a:p>
@@ -2925,7 +2925,7 @@
           <a:p>
             <a:fld id="{B8DF0B38-1A71-4F35-BACA-BD48B653CF4D}" type="datetimeFigureOut">
               <a:rPr lang="zh-CN" altLang="en-US" smtClean="0"/>
-              <a:t>2021/11/1</a:t>
+              <a:t>2021/11/4</a:t>
             </a:fld>
             <a:endParaRPr lang="zh-CN" altLang="en-US"/>
           </a:p>
@@ -3954,6 +3954,53 @@
           </a:prstGeom>
         </p:spPr>
       </p:pic>
+      <p:pic>
+        <p:nvPicPr>
+          <p:cNvPr id="1026" name="Picture 2" descr="不在场证明标志">
+            <a:extLst>
+              <a:ext uri="{FF2B5EF4-FFF2-40B4-BE49-F238E27FC236}">
+                <a16:creationId xmlns:a16="http://schemas.microsoft.com/office/drawing/2014/main" id="{10AEE8FD-70A7-41AF-9C01-730D9F527D62}"/>
+              </a:ext>
+            </a:extLst>
+          </p:cNvPr>
+          <p:cNvPicPr>
+            <a:picLocks noChangeAspect="1" noChangeArrowheads="1"/>
+          </p:cNvPicPr>
+          <p:nvPr/>
+        </p:nvPicPr>
+        <p:blipFill>
+          <a:blip r:embed="rId19">
+            <a:extLst>
+              <a:ext uri="{28A0092B-C50C-407E-A947-70E740481C1C}">
+                <a14:useLocalDpi xmlns:a14="http://schemas.microsoft.com/office/drawing/2010/main" val="0"/>
+              </a:ext>
+            </a:extLst>
+          </a:blip>
+          <a:srcRect/>
+          <a:stretch>
+            <a:fillRect/>
+          </a:stretch>
+        </p:blipFill>
+        <p:spPr bwMode="auto">
+          <a:xfrm>
+            <a:off x="-146356" y="5395967"/>
+            <a:ext cx="4314568" cy="1702794"/>
+          </a:xfrm>
+          <a:prstGeom prst="rect">
+            <a:avLst/>
+          </a:prstGeom>
+          <a:noFill/>
+          <a:extLst>
+            <a:ext uri="{909E8E84-426E-40DD-AFC4-6F175D3DCCD1}">
+              <a14:hiddenFill xmlns:a14="http://schemas.microsoft.com/office/drawing/2010/main">
+                <a:solidFill>
+                  <a:srgbClr val="FFFFFF"/>
+                </a:solidFill>
+              </a14:hiddenFill>
+            </a:ext>
+          </a:extLst>
+        </p:spPr>
+      </p:pic>
     </p:spTree>
     <p:extLst>
       <p:ext uri="{BB962C8B-B14F-4D97-AF65-F5344CB8AC3E}">
@@ -3984,6 +4031,45 @@
           <a:chExt cx="0" cy="0"/>
         </a:xfrm>
       </p:grpSpPr>
+      <p:pic>
+        <p:nvPicPr>
+          <p:cNvPr id="4" name="图形 3">
+            <a:extLst>
+              <a:ext uri="{FF2B5EF4-FFF2-40B4-BE49-F238E27FC236}">
+                <a16:creationId xmlns:a16="http://schemas.microsoft.com/office/drawing/2014/main" id="{026680E2-AF09-4227-8E46-7EEFA9FD1FB5}"/>
+              </a:ext>
+            </a:extLst>
+          </p:cNvPr>
+          <p:cNvPicPr>
+            <a:picLocks noChangeAspect="1"/>
+          </p:cNvPicPr>
+          <p:nvPr/>
+        </p:nvPicPr>
+        <p:blipFill>
+          <a:blip r:embed="rId2">
+            <a:extLst>
+              <a:ext uri="{28A0092B-C50C-407E-A947-70E740481C1C}">
+                <a14:useLocalDpi xmlns:a14="http://schemas.microsoft.com/office/drawing/2010/main" val="0"/>
+              </a:ext>
+              <a:ext uri="{96DAC541-7B7A-43D3-8B79-37D633B846F1}">
+                <asvg:svgBlip xmlns:asvg="http://schemas.microsoft.com/office/drawing/2016/SVG/main" r:embed="rId3"/>
+              </a:ext>
+            </a:extLst>
+          </a:blip>
+          <a:stretch>
+            <a:fillRect/>
+          </a:stretch>
+        </p:blipFill>
+        <p:spPr>
+          <a:xfrm>
+            <a:off x="3533775" y="1990725"/>
+            <a:ext cx="5124450" cy="2876550"/>
+          </a:xfrm>
+          <a:prstGeom prst="rect">
+            <a:avLst/>
+          </a:prstGeom>
+        </p:spPr>
+      </p:pic>
     </p:spTree>
     <p:extLst>
       <p:ext uri="{BB962C8B-B14F-4D97-AF65-F5344CB8AC3E}">

--- a/Umami_YYDS/Paper及endnote/摘要图.pptx
+++ b/Umami_YYDS/Paper及endnote/摘要图.pptx
@@ -275,7 +275,7 @@
           <a:p>
             <a:fld id="{B8DF0B38-1A71-4F35-BACA-BD48B653CF4D}" type="datetimeFigureOut">
               <a:rPr lang="zh-CN" altLang="en-US" smtClean="0"/>
-              <a:t>2021/11/4</a:t>
+              <a:t>2021/11/5</a:t>
             </a:fld>
             <a:endParaRPr lang="zh-CN" altLang="en-US"/>
           </a:p>
@@ -473,7 +473,7 @@
           <a:p>
             <a:fld id="{B8DF0B38-1A71-4F35-BACA-BD48B653CF4D}" type="datetimeFigureOut">
               <a:rPr lang="zh-CN" altLang="en-US" smtClean="0"/>
-              <a:t>2021/11/4</a:t>
+              <a:t>2021/11/5</a:t>
             </a:fld>
             <a:endParaRPr lang="zh-CN" altLang="en-US"/>
           </a:p>
@@ -681,7 +681,7 @@
           <a:p>
             <a:fld id="{B8DF0B38-1A71-4F35-BACA-BD48B653CF4D}" type="datetimeFigureOut">
               <a:rPr lang="zh-CN" altLang="en-US" smtClean="0"/>
-              <a:t>2021/11/4</a:t>
+              <a:t>2021/11/5</a:t>
             </a:fld>
             <a:endParaRPr lang="zh-CN" altLang="en-US"/>
           </a:p>
@@ -879,7 +879,7 @@
           <a:p>
             <a:fld id="{B8DF0B38-1A71-4F35-BACA-BD48B653CF4D}" type="datetimeFigureOut">
               <a:rPr lang="zh-CN" altLang="en-US" smtClean="0"/>
-              <a:t>2021/11/4</a:t>
+              <a:t>2021/11/5</a:t>
             </a:fld>
             <a:endParaRPr lang="zh-CN" altLang="en-US"/>
           </a:p>
@@ -1154,7 +1154,7 @@
           <a:p>
             <a:fld id="{B8DF0B38-1A71-4F35-BACA-BD48B653CF4D}" type="datetimeFigureOut">
               <a:rPr lang="zh-CN" altLang="en-US" smtClean="0"/>
-              <a:t>2021/11/4</a:t>
+              <a:t>2021/11/5</a:t>
             </a:fld>
             <a:endParaRPr lang="zh-CN" altLang="en-US"/>
           </a:p>
@@ -1419,7 +1419,7 @@
           <a:p>
             <a:fld id="{B8DF0B38-1A71-4F35-BACA-BD48B653CF4D}" type="datetimeFigureOut">
               <a:rPr lang="zh-CN" altLang="en-US" smtClean="0"/>
-              <a:t>2021/11/4</a:t>
+              <a:t>2021/11/5</a:t>
             </a:fld>
             <a:endParaRPr lang="zh-CN" altLang="en-US"/>
           </a:p>
@@ -1831,7 +1831,7 @@
           <a:p>
             <a:fld id="{B8DF0B38-1A71-4F35-BACA-BD48B653CF4D}" type="datetimeFigureOut">
               <a:rPr lang="zh-CN" altLang="en-US" smtClean="0"/>
-              <a:t>2021/11/4</a:t>
+              <a:t>2021/11/5</a:t>
             </a:fld>
             <a:endParaRPr lang="zh-CN" altLang="en-US"/>
           </a:p>
@@ -1972,7 +1972,7 @@
           <a:p>
             <a:fld id="{B8DF0B38-1A71-4F35-BACA-BD48B653CF4D}" type="datetimeFigureOut">
               <a:rPr lang="zh-CN" altLang="en-US" smtClean="0"/>
-              <a:t>2021/11/4</a:t>
+              <a:t>2021/11/5</a:t>
             </a:fld>
             <a:endParaRPr lang="zh-CN" altLang="en-US"/>
           </a:p>
@@ -2085,7 +2085,7 @@
           <a:p>
             <a:fld id="{B8DF0B38-1A71-4F35-BACA-BD48B653CF4D}" type="datetimeFigureOut">
               <a:rPr lang="zh-CN" altLang="en-US" smtClean="0"/>
-              <a:t>2021/11/4</a:t>
+              <a:t>2021/11/5</a:t>
             </a:fld>
             <a:endParaRPr lang="zh-CN" altLang="en-US"/>
           </a:p>
@@ -2396,7 +2396,7 @@
           <a:p>
             <a:fld id="{B8DF0B38-1A71-4F35-BACA-BD48B653CF4D}" type="datetimeFigureOut">
               <a:rPr lang="zh-CN" altLang="en-US" smtClean="0"/>
-              <a:t>2021/11/4</a:t>
+              <a:t>2021/11/5</a:t>
             </a:fld>
             <a:endParaRPr lang="zh-CN" altLang="en-US"/>
           </a:p>
@@ -2684,7 +2684,7 @@
           <a:p>
             <a:fld id="{B8DF0B38-1A71-4F35-BACA-BD48B653CF4D}" type="datetimeFigureOut">
               <a:rPr lang="zh-CN" altLang="en-US" smtClean="0"/>
-              <a:t>2021/11/4</a:t>
+              <a:t>2021/11/5</a:t>
             </a:fld>
             <a:endParaRPr lang="zh-CN" altLang="en-US"/>
           </a:p>
@@ -2925,7 +2925,7 @@
           <a:p>
             <a:fld id="{B8DF0B38-1A71-4F35-BACA-BD48B653CF4D}" type="datetimeFigureOut">
               <a:rPr lang="zh-CN" altLang="en-US" smtClean="0"/>
-              <a:t>2021/11/4</a:t>
+              <a:t>2021/11/5</a:t>
             </a:fld>
             <a:endParaRPr lang="zh-CN" altLang="en-US"/>
           </a:p>
@@ -3447,7 +3447,7 @@
         </p:blipFill>
         <p:spPr>
           <a:xfrm>
-            <a:off x="9526384" y="328613"/>
+            <a:off x="9058176" y="735033"/>
             <a:ext cx="2000250" cy="2667000"/>
           </a:xfrm>
           <a:prstGeom prst="rect">
@@ -3499,7 +3499,7 @@
           </p:cNvPicPr>
           <p:nvPr/>
         </p:nvPicPr>
-        <p:blipFill>
+        <p:blipFill rotWithShape="1">
           <a:blip r:embed="rId2">
             <a:extLst>
               <a:ext uri="{28A0092B-C50C-407E-A947-70E740481C1C}">
@@ -3507,14 +3507,13 @@
               </a:ext>
             </a:extLst>
           </a:blip>
-          <a:stretch>
-            <a:fillRect/>
-          </a:stretch>
+          <a:srcRect l="4371" t="-306" r="1966" b="17110"/>
+          <a:stretch/>
         </p:blipFill>
         <p:spPr>
           <a:xfrm>
-            <a:off x="354998" y="4131269"/>
-            <a:ext cx="1251594" cy="1251594"/>
+            <a:off x="409699" y="4127439"/>
+            <a:ext cx="1172294" cy="1041270"/>
           </a:xfrm>
           <a:prstGeom prst="rect">
             <a:avLst/>
@@ -3589,7 +3588,7 @@
         </p:blipFill>
         <p:spPr bwMode="auto">
           <a:xfrm>
-            <a:off x="10005306" y="682763"/>
+            <a:off x="8265571" y="973440"/>
             <a:ext cx="2019300" cy="590550"/>
           </a:xfrm>
           <a:prstGeom prst="rect">
@@ -3685,7 +3684,7 @@
         </p:blipFill>
         <p:spPr>
           <a:xfrm>
-            <a:off x="9895748" y="2231722"/>
+            <a:off x="8749779" y="2372252"/>
             <a:ext cx="1326771" cy="1597155"/>
           </a:xfrm>
           <a:prstGeom prst="rect">
@@ -3799,7 +3798,7 @@
         </p:blipFill>
         <p:spPr>
           <a:xfrm>
-            <a:off x="485672" y="1118277"/>
+            <a:off x="460292" y="711785"/>
             <a:ext cx="3682540" cy="1041270"/>
           </a:xfrm>
           <a:prstGeom prst="rect">
@@ -3838,7 +3837,7 @@
         </p:blipFill>
         <p:spPr>
           <a:xfrm>
-            <a:off x="3505552" y="2981644"/>
+            <a:off x="3220795" y="2946720"/>
             <a:ext cx="3341014" cy="1350276"/>
           </a:xfrm>
           <a:prstGeom prst="rect">
@@ -3985,6 +3984,134 @@
           <a:xfrm>
             <a:off x="-146356" y="5395967"/>
             <a:ext cx="4314568" cy="1702794"/>
+          </a:xfrm>
+          <a:prstGeom prst="rect">
+            <a:avLst/>
+          </a:prstGeom>
+          <a:noFill/>
+          <a:extLst>
+            <a:ext uri="{909E8E84-426E-40DD-AFC4-6F175D3DCCD1}">
+              <a14:hiddenFill xmlns:a14="http://schemas.microsoft.com/office/drawing/2010/main">
+                <a:solidFill>
+                  <a:srgbClr val="FFFFFF"/>
+                </a:solidFill>
+              </a14:hiddenFill>
+            </a:ext>
+          </a:extLst>
+        </p:spPr>
+      </p:pic>
+      <p:pic>
+        <p:nvPicPr>
+          <p:cNvPr id="15" name="图形 14">
+            <a:extLst>
+              <a:ext uri="{FF2B5EF4-FFF2-40B4-BE49-F238E27FC236}">
+                <a16:creationId xmlns:a16="http://schemas.microsoft.com/office/drawing/2014/main" id="{677E68F0-5A54-409C-AFC9-537471EAC1EC}"/>
+              </a:ext>
+            </a:extLst>
+          </p:cNvPr>
+          <p:cNvPicPr>
+            <a:picLocks noChangeAspect="1"/>
+          </p:cNvPicPr>
+          <p:nvPr/>
+        </p:nvPicPr>
+        <p:blipFill rotWithShape="1">
+          <a:blip r:embed="rId7">
+            <a:extLst>
+              <a:ext uri="{28A0092B-C50C-407E-A947-70E740481C1C}">
+                <a14:useLocalDpi xmlns:a14="http://schemas.microsoft.com/office/drawing/2010/main" val="0"/>
+              </a:ext>
+              <a:ext uri="{96DAC541-7B7A-43D3-8B79-37D633B846F1}">
+                <asvg:svgBlip xmlns:asvg="http://schemas.microsoft.com/office/drawing/2016/SVG/main" r:embed="rId8"/>
+              </a:ext>
+            </a:extLst>
+          </a:blip>
+          <a:srcRect r="4396" b="23857"/>
+          <a:stretch/>
+        </p:blipFill>
+        <p:spPr>
+          <a:xfrm>
+            <a:off x="8611835" y="4317778"/>
+            <a:ext cx="1268435" cy="1216123"/>
+          </a:xfrm>
+          <a:prstGeom prst="rect">
+            <a:avLst/>
+          </a:prstGeom>
+        </p:spPr>
+      </p:pic>
+      <p:pic>
+        <p:nvPicPr>
+          <p:cNvPr id="17" name="Picture 2" descr="不在场证明标志">
+            <a:extLst>
+              <a:ext uri="{FF2B5EF4-FFF2-40B4-BE49-F238E27FC236}">
+                <a16:creationId xmlns:a16="http://schemas.microsoft.com/office/drawing/2014/main" id="{9058374F-9B62-4560-9E39-2639CE56E71C}"/>
+              </a:ext>
+            </a:extLst>
+          </p:cNvPr>
+          <p:cNvPicPr>
+            <a:picLocks noChangeAspect="1" noChangeArrowheads="1"/>
+          </p:cNvPicPr>
+          <p:nvPr/>
+        </p:nvPicPr>
+        <p:blipFill rotWithShape="1">
+          <a:blip r:embed="rId19">
+            <a:extLst>
+              <a:ext uri="{28A0092B-C50C-407E-A947-70E740481C1C}">
+                <a14:useLocalDpi xmlns:a14="http://schemas.microsoft.com/office/drawing/2010/main" val="0"/>
+              </a:ext>
+            </a:extLst>
+          </a:blip>
+          <a:srcRect l="8551" t="8876" r="70601" b="38536"/>
+          <a:stretch/>
+        </p:blipFill>
+        <p:spPr bwMode="auto">
+          <a:xfrm>
+            <a:off x="4601688" y="5445960"/>
+            <a:ext cx="899486" cy="895463"/>
+          </a:xfrm>
+          <a:prstGeom prst="rect">
+            <a:avLst/>
+          </a:prstGeom>
+          <a:noFill/>
+          <a:extLst>
+            <a:ext uri="{909E8E84-426E-40DD-AFC4-6F175D3DCCD1}">
+              <a14:hiddenFill xmlns:a14="http://schemas.microsoft.com/office/drawing/2010/main">
+                <a:solidFill>
+                  <a:srgbClr val="FFFFFF"/>
+                </a:solidFill>
+              </a14:hiddenFill>
+            </a:ext>
+          </a:extLst>
+        </p:spPr>
+      </p:pic>
+      <p:pic>
+        <p:nvPicPr>
+          <p:cNvPr id="18" name="Picture 4" descr="SciPy 2010 Conference">
+            <a:extLst>
+              <a:ext uri="{FF2B5EF4-FFF2-40B4-BE49-F238E27FC236}">
+                <a16:creationId xmlns:a16="http://schemas.microsoft.com/office/drawing/2014/main" id="{41A542DA-AC8F-49F2-AFB1-0331F3D804FB}"/>
+              </a:ext>
+            </a:extLst>
+          </p:cNvPr>
+          <p:cNvPicPr>
+            <a:picLocks noChangeAspect="1" noChangeArrowheads="1"/>
+          </p:cNvPicPr>
+          <p:nvPr/>
+        </p:nvPicPr>
+        <p:blipFill rotWithShape="1">
+          <a:blip r:embed="rId6">
+            <a:extLst>
+              <a:ext uri="{28A0092B-C50C-407E-A947-70E740481C1C}">
+                <a14:useLocalDpi xmlns:a14="http://schemas.microsoft.com/office/drawing/2010/main" val="0"/>
+              </a:ext>
+            </a:extLst>
+          </a:blip>
+          <a:srcRect l="43583" t="-2523" r="36362" b="5115"/>
+          <a:stretch/>
+        </p:blipFill>
+        <p:spPr bwMode="auto">
+          <a:xfrm>
+            <a:off x="9339942" y="5955475"/>
+            <a:ext cx="605641" cy="635330"/>
           </a:xfrm>
           <a:prstGeom prst="rect">
             <a:avLst/>
@@ -4045,7 +4172,7 @@
           </p:cNvPicPr>
           <p:nvPr/>
         </p:nvPicPr>
-        <p:blipFill>
+        <p:blipFill rotWithShape="1">
           <a:blip r:embed="rId2">
             <a:extLst>
               <a:ext uri="{28A0092B-C50C-407E-A947-70E740481C1C}">
@@ -4056,14 +4183,13 @@
               </a:ext>
             </a:extLst>
           </a:blip>
-          <a:stretch>
-            <a:fillRect/>
-          </a:stretch>
+          <a:srcRect l="43247" t="532" r="41267" b="69487"/>
+          <a:stretch/>
         </p:blipFill>
         <p:spPr>
           <a:xfrm>
-            <a:off x="3533775" y="1990725"/>
-            <a:ext cx="5124450" cy="2876550"/>
+            <a:off x="2438400" y="-166688"/>
+            <a:ext cx="3950525" cy="4293363"/>
           </a:xfrm>
           <a:prstGeom prst="rect">
             <a:avLst/>
